--- a/Team2_ERD.pptx
+++ b/Team2_ERD.pptx
@@ -106,6 +106,11 @@
       </a:defRPr>
     </a:lvl9pPr>
   </p:defaultTextStyle>
+  <p:extLst>
+    <p:ext uri="{EFAFB233-063F-42B5-8137-9DF3F51BA10A}">
+      <p15:sldGuideLst xmlns:p15="http://schemas.microsoft.com/office/powerpoint/2012/main"/>
+    </p:ext>
+  </p:extLst>
 </p:presentation>
 </file>
 
@@ -256,7 +261,7 @@
           <a:p>
             <a:fld id="{37277A6A-BFC4-4486-86B2-EB6445210C63}" type="datetimeFigureOut">
               <a:rPr lang="ko-KR" altLang="en-US" smtClean="0"/>
-              <a:t>2023-01-17</a:t>
+              <a:t>2023-02-12</a:t>
             </a:fld>
             <a:endParaRPr lang="ko-KR" altLang="en-US"/>
           </a:p>
@@ -454,7 +459,7 @@
           <a:p>
             <a:fld id="{37277A6A-BFC4-4486-86B2-EB6445210C63}" type="datetimeFigureOut">
               <a:rPr lang="ko-KR" altLang="en-US" smtClean="0"/>
-              <a:t>2023-01-17</a:t>
+              <a:t>2023-02-12</a:t>
             </a:fld>
             <a:endParaRPr lang="ko-KR" altLang="en-US"/>
           </a:p>
@@ -662,7 +667,7 @@
           <a:p>
             <a:fld id="{37277A6A-BFC4-4486-86B2-EB6445210C63}" type="datetimeFigureOut">
               <a:rPr lang="ko-KR" altLang="en-US" smtClean="0"/>
-              <a:t>2023-01-17</a:t>
+              <a:t>2023-02-12</a:t>
             </a:fld>
             <a:endParaRPr lang="ko-KR" altLang="en-US"/>
           </a:p>
@@ -860,7 +865,7 @@
           <a:p>
             <a:fld id="{37277A6A-BFC4-4486-86B2-EB6445210C63}" type="datetimeFigureOut">
               <a:rPr lang="ko-KR" altLang="en-US" smtClean="0"/>
-              <a:t>2023-01-17</a:t>
+              <a:t>2023-02-12</a:t>
             </a:fld>
             <a:endParaRPr lang="ko-KR" altLang="en-US"/>
           </a:p>
@@ -1135,7 +1140,7 @@
           <a:p>
             <a:fld id="{37277A6A-BFC4-4486-86B2-EB6445210C63}" type="datetimeFigureOut">
               <a:rPr lang="ko-KR" altLang="en-US" smtClean="0"/>
-              <a:t>2023-01-17</a:t>
+              <a:t>2023-02-12</a:t>
             </a:fld>
             <a:endParaRPr lang="ko-KR" altLang="en-US"/>
           </a:p>
@@ -1400,7 +1405,7 @@
           <a:p>
             <a:fld id="{37277A6A-BFC4-4486-86B2-EB6445210C63}" type="datetimeFigureOut">
               <a:rPr lang="ko-KR" altLang="en-US" smtClean="0"/>
-              <a:t>2023-01-17</a:t>
+              <a:t>2023-02-12</a:t>
             </a:fld>
             <a:endParaRPr lang="ko-KR" altLang="en-US"/>
           </a:p>
@@ -1812,7 +1817,7 @@
           <a:p>
             <a:fld id="{37277A6A-BFC4-4486-86B2-EB6445210C63}" type="datetimeFigureOut">
               <a:rPr lang="ko-KR" altLang="en-US" smtClean="0"/>
-              <a:t>2023-01-17</a:t>
+              <a:t>2023-02-12</a:t>
             </a:fld>
             <a:endParaRPr lang="ko-KR" altLang="en-US"/>
           </a:p>
@@ -1953,7 +1958,7 @@
           <a:p>
             <a:fld id="{37277A6A-BFC4-4486-86B2-EB6445210C63}" type="datetimeFigureOut">
               <a:rPr lang="ko-KR" altLang="en-US" smtClean="0"/>
-              <a:t>2023-01-17</a:t>
+              <a:t>2023-02-12</a:t>
             </a:fld>
             <a:endParaRPr lang="ko-KR" altLang="en-US"/>
           </a:p>
@@ -2066,7 +2071,7 @@
           <a:p>
             <a:fld id="{37277A6A-BFC4-4486-86B2-EB6445210C63}" type="datetimeFigureOut">
               <a:rPr lang="ko-KR" altLang="en-US" smtClean="0"/>
-              <a:t>2023-01-17</a:t>
+              <a:t>2023-02-12</a:t>
             </a:fld>
             <a:endParaRPr lang="ko-KR" altLang="en-US"/>
           </a:p>
@@ -2377,7 +2382,7 @@
           <a:p>
             <a:fld id="{37277A6A-BFC4-4486-86B2-EB6445210C63}" type="datetimeFigureOut">
               <a:rPr lang="ko-KR" altLang="en-US" smtClean="0"/>
-              <a:t>2023-01-17</a:t>
+              <a:t>2023-02-12</a:t>
             </a:fld>
             <a:endParaRPr lang="ko-KR" altLang="en-US"/>
           </a:p>
@@ -2665,7 +2670,7 @@
           <a:p>
             <a:fld id="{37277A6A-BFC4-4486-86B2-EB6445210C63}" type="datetimeFigureOut">
               <a:rPr lang="ko-KR" altLang="en-US" smtClean="0"/>
-              <a:t>2023-01-17</a:t>
+              <a:t>2023-02-12</a:t>
             </a:fld>
             <a:endParaRPr lang="ko-KR" altLang="en-US"/>
           </a:p>
@@ -2906,7 +2911,7 @@
           <a:p>
             <a:fld id="{37277A6A-BFC4-4486-86B2-EB6445210C63}" type="datetimeFigureOut">
               <a:rPr lang="ko-KR" altLang="en-US" smtClean="0"/>
-              <a:t>2023-01-17</a:t>
+              <a:t>2023-02-12</a:t>
             </a:fld>
             <a:endParaRPr lang="ko-KR" altLang="en-US"/>
           </a:p>
@@ -3345,8 +3350,8 @@
         </p:blipFill>
         <p:spPr>
           <a:xfrm>
-            <a:off x="1370330" y="325120"/>
-            <a:ext cx="9570720" cy="6275950"/>
+            <a:off x="1371600" y="419490"/>
+            <a:ext cx="9570720" cy="6190316"/>
           </a:xfrm>
           <a:prstGeom prst="rect">
             <a:avLst/>
@@ -3367,7 +3372,7 @@
         </p:nvSpPr>
         <p:spPr>
           <a:xfrm>
-            <a:off x="1249680" y="172720"/>
+            <a:off x="1249680" y="325120"/>
             <a:ext cx="5151120" cy="3799840"/>
           </a:xfrm>
           <a:prstGeom prst="rect">
